--- a/paper/figure/material2.pptx
+++ b/paper/figure/material2.pptx
@@ -9,7 +9,7 @@
     <p:sldId id="258" r:id="rId3"/>
   </p:sldIdLst>
   <p:sldSz cx="9144000" cy="6858000" type="screen4x3"/>
-  <p:notesSz cx="6858000" cy="9144000"/>
+  <p:notesSz cx="6642100" cy="9653588"/>
   <p:defaultTextStyle>
     <a:defPPr>
       <a:defRPr lang="ja-JP"/>
